--- a/PRESENTACION/Agenda de proyecto grupo 4.pptx
+++ b/PRESENTACION/Agenda de proyecto grupo 4.pptx
@@ -14,12 +14,18 @@
     <p:sldId id="262" r:id="rId8"/>
     <p:sldId id="263" r:id="rId9"/>
     <p:sldId id="264" r:id="rId10"/>
-    <p:sldId id="265" r:id="rId11"/>
-    <p:sldId id="266" r:id="rId12"/>
-    <p:sldId id="267" r:id="rId13"/>
-    <p:sldId id="268" r:id="rId14"/>
-    <p:sldId id="270" r:id="rId15"/>
-    <p:sldId id="269" r:id="rId16"/>
+    <p:sldId id="271" r:id="rId11"/>
+    <p:sldId id="272" r:id="rId12"/>
+    <p:sldId id="276" r:id="rId13"/>
+    <p:sldId id="265" r:id="rId14"/>
+    <p:sldId id="273" r:id="rId15"/>
+    <p:sldId id="274" r:id="rId16"/>
+    <p:sldId id="275" r:id="rId17"/>
+    <p:sldId id="266" r:id="rId18"/>
+    <p:sldId id="267" r:id="rId19"/>
+    <p:sldId id="268" r:id="rId20"/>
+    <p:sldId id="270" r:id="rId21"/>
+    <p:sldId id="269" r:id="rId22"/>
   </p:sldIdLst>
   <p:sldSz cx="12192000" cy="6858000"/>
   <p:notesSz cx="6858000" cy="9144000"/>
@@ -6505,7 +6511,7 @@
           <a:p>
             <a:fld id="{050667F3-810B-4FF2-9E55-C05CB5A38AF0}" type="datetimeFigureOut">
               <a:rPr lang="es-EC" smtClean="0"/>
-              <a:t>23/8/2022</a:t>
+              <a:t>24/8/2022</a:t>
             </a:fld>
             <a:endParaRPr lang="es-EC"/>
           </a:p>
@@ -6743,7 +6749,7 @@
           <a:p>
             <a:fld id="{050667F3-810B-4FF2-9E55-C05CB5A38AF0}" type="datetimeFigureOut">
               <a:rPr lang="es-EC" smtClean="0"/>
-              <a:t>23/8/2022</a:t>
+              <a:t>24/8/2022</a:t>
             </a:fld>
             <a:endParaRPr lang="es-EC"/>
           </a:p>
@@ -6923,7 +6929,7 @@
           <a:p>
             <a:fld id="{050667F3-810B-4FF2-9E55-C05CB5A38AF0}" type="datetimeFigureOut">
               <a:rPr lang="es-EC" smtClean="0"/>
-              <a:t>23/8/2022</a:t>
+              <a:t>24/8/2022</a:t>
             </a:fld>
             <a:endParaRPr lang="es-EC"/>
           </a:p>
@@ -7093,7 +7099,7 @@
           <a:p>
             <a:fld id="{050667F3-810B-4FF2-9E55-C05CB5A38AF0}" type="datetimeFigureOut">
               <a:rPr lang="es-EC" smtClean="0"/>
-              <a:t>23/8/2022</a:t>
+              <a:t>24/8/2022</a:t>
             </a:fld>
             <a:endParaRPr lang="es-EC"/>
           </a:p>
@@ -7369,7 +7375,7 @@
           <a:p>
             <a:fld id="{050667F3-810B-4FF2-9E55-C05CB5A38AF0}" type="datetimeFigureOut">
               <a:rPr lang="es-EC" smtClean="0"/>
-              <a:t>23/8/2022</a:t>
+              <a:t>24/8/2022</a:t>
             </a:fld>
             <a:endParaRPr lang="es-EC"/>
           </a:p>
@@ -8570,7 +8576,7 @@
           <a:p>
             <a:fld id="{050667F3-810B-4FF2-9E55-C05CB5A38AF0}" type="datetimeFigureOut">
               <a:rPr lang="es-EC" smtClean="0"/>
-              <a:t>23/8/2022</a:t>
+              <a:t>24/8/2022</a:t>
             </a:fld>
             <a:endParaRPr lang="es-EC"/>
           </a:p>
@@ -8960,7 +8966,7 @@
           <a:p>
             <a:fld id="{050667F3-810B-4FF2-9E55-C05CB5A38AF0}" type="datetimeFigureOut">
               <a:rPr lang="es-EC" smtClean="0"/>
-              <a:t>23/8/2022</a:t>
+              <a:t>24/8/2022</a:t>
             </a:fld>
             <a:endParaRPr lang="es-EC"/>
           </a:p>
@@ -9083,7 +9089,7 @@
           <a:p>
             <a:fld id="{050667F3-810B-4FF2-9E55-C05CB5A38AF0}" type="datetimeFigureOut">
               <a:rPr lang="es-EC" smtClean="0"/>
-              <a:t>23/8/2022</a:t>
+              <a:t>24/8/2022</a:t>
             </a:fld>
             <a:endParaRPr lang="es-EC"/>
           </a:p>
@@ -9178,7 +9184,7 @@
           <a:p>
             <a:fld id="{050667F3-810B-4FF2-9E55-C05CB5A38AF0}" type="datetimeFigureOut">
               <a:rPr lang="es-EC" smtClean="0"/>
-              <a:t>23/8/2022</a:t>
+              <a:t>24/8/2022</a:t>
             </a:fld>
             <a:endParaRPr lang="es-EC"/>
           </a:p>
@@ -9941,7 +9947,7 @@
           <a:p>
             <a:fld id="{050667F3-810B-4FF2-9E55-C05CB5A38AF0}" type="datetimeFigureOut">
               <a:rPr lang="es-EC" smtClean="0"/>
-              <a:t>23/8/2022</a:t>
+              <a:t>24/8/2022</a:t>
             </a:fld>
             <a:endParaRPr lang="es-EC"/>
           </a:p>
@@ -10781,7 +10787,7 @@
           <a:p>
             <a:fld id="{050667F3-810B-4FF2-9E55-C05CB5A38AF0}" type="datetimeFigureOut">
               <a:rPr lang="es-EC" smtClean="0"/>
-              <a:t>23/8/2022</a:t>
+              <a:t>24/8/2022</a:t>
             </a:fld>
             <a:endParaRPr lang="es-EC"/>
           </a:p>
@@ -11008,7 +11014,7 @@
           <a:p>
             <a:fld id="{050667F3-810B-4FF2-9E55-C05CB5A38AF0}" type="datetimeFigureOut">
               <a:rPr lang="es-EC" smtClean="0"/>
-              <a:t>23/8/2022</a:t>
+              <a:t>24/8/2022</a:t>
             </a:fld>
             <a:endParaRPr lang="es-EC"/>
           </a:p>
@@ -12133,6 +12139,330 @@
           <p:cNvPr id="2" name="Título 1">
             <a:extLst>
               <a:ext uri="{FF2B5EF4-FFF2-40B4-BE49-F238E27FC236}">
+                <a16:creationId xmlns:a16="http://schemas.microsoft.com/office/drawing/2014/main" id="{CE59AB17-638E-4547-A03C-A8505054BA69}"/>
+              </a:ext>
+            </a:extLst>
+          </p:cNvPr>
+          <p:cNvSpPr>
+            <a:spLocks noGrp="1"/>
+          </p:cNvSpPr>
+          <p:nvPr>
+            <p:ph type="title"/>
+          </p:nvPr>
+        </p:nvSpPr>
+        <p:spPr/>
+        <p:txBody>
+          <a:bodyPr/>
+          <a:lstStyle/>
+          <a:p>
+            <a:r>
+              <a:rPr lang="es-EC" dirty="0"/>
+              <a:t>Actas de reunión I</a:t>
+            </a:r>
+          </a:p>
+        </p:txBody>
+      </p:sp>
+      <p:pic>
+        <p:nvPicPr>
+          <p:cNvPr id="4" name="Imagen 3">
+            <a:extLst>
+              <a:ext uri="{FF2B5EF4-FFF2-40B4-BE49-F238E27FC236}">
+                <a16:creationId xmlns:a16="http://schemas.microsoft.com/office/drawing/2014/main" id="{ADD2A76C-C07D-45C9-A076-B06E418EE6AD}"/>
+              </a:ext>
+            </a:extLst>
+          </p:cNvPr>
+          <p:cNvPicPr>
+            <a:picLocks noChangeAspect="1"/>
+          </p:cNvPicPr>
+          <p:nvPr/>
+        </p:nvPicPr>
+        <p:blipFill>
+          <a:blip r:embed="rId2"/>
+          <a:stretch>
+            <a:fillRect/>
+          </a:stretch>
+        </p:blipFill>
+        <p:spPr>
+          <a:xfrm>
+            <a:off x="892786" y="1300898"/>
+            <a:ext cx="4962654" cy="4129231"/>
+          </a:xfrm>
+          <a:prstGeom prst="rect">
+            <a:avLst/>
+          </a:prstGeom>
+        </p:spPr>
+      </p:pic>
+      <p:pic>
+        <p:nvPicPr>
+          <p:cNvPr id="5" name="Imagen 4">
+            <a:extLst>
+              <a:ext uri="{FF2B5EF4-FFF2-40B4-BE49-F238E27FC236}">
+                <a16:creationId xmlns:a16="http://schemas.microsoft.com/office/drawing/2014/main" id="{77BF291F-9FB9-43D4-9C5B-9280EA4D5269}"/>
+              </a:ext>
+            </a:extLst>
+          </p:cNvPr>
+          <p:cNvPicPr>
+            <a:picLocks noChangeAspect="1"/>
+          </p:cNvPicPr>
+          <p:nvPr/>
+        </p:nvPicPr>
+        <p:blipFill>
+          <a:blip r:embed="rId3"/>
+          <a:stretch>
+            <a:fillRect/>
+          </a:stretch>
+        </p:blipFill>
+        <p:spPr>
+          <a:xfrm>
+            <a:off x="6095999" y="1128450"/>
+            <a:ext cx="5250834" cy="4301679"/>
+          </a:xfrm>
+          <a:prstGeom prst="rect">
+            <a:avLst/>
+          </a:prstGeom>
+        </p:spPr>
+      </p:pic>
+    </p:spTree>
+    <p:extLst>
+      <p:ext uri="{BB962C8B-B14F-4D97-AF65-F5344CB8AC3E}">
+        <p14:creationId xmlns:p14="http://schemas.microsoft.com/office/powerpoint/2010/main" val="2369940348"/>
+      </p:ext>
+    </p:extLst>
+  </p:cSld>
+  <p:clrMapOvr>
+    <a:masterClrMapping/>
+  </p:clrMapOvr>
+</p:sld>
+</file>
+
+<file path=ppt/slides/slide11.xml><?xml version="1.0" encoding="utf-8"?>
+<p:sld xmlns:a="http://schemas.openxmlformats.org/drawingml/2006/main" xmlns:r="http://schemas.openxmlformats.org/officeDocument/2006/relationships" xmlns:p="http://schemas.openxmlformats.org/presentationml/2006/main">
+  <p:cSld>
+    <p:spTree>
+      <p:nvGrpSpPr>
+        <p:cNvPr id="1" name=""/>
+        <p:cNvGrpSpPr/>
+        <p:nvPr/>
+      </p:nvGrpSpPr>
+      <p:grpSpPr>
+        <a:xfrm>
+          <a:off x="0" y="0"/>
+          <a:ext cx="0" cy="0"/>
+          <a:chOff x="0" y="0"/>
+          <a:chExt cx="0" cy="0"/>
+        </a:xfrm>
+      </p:grpSpPr>
+      <p:sp>
+        <p:nvSpPr>
+          <p:cNvPr id="2" name="Título 1">
+            <a:extLst>
+              <a:ext uri="{FF2B5EF4-FFF2-40B4-BE49-F238E27FC236}">
+                <a16:creationId xmlns:a16="http://schemas.microsoft.com/office/drawing/2014/main" id="{F04E0A12-29D3-4D86-8505-330C0BB2F2F1}"/>
+              </a:ext>
+            </a:extLst>
+          </p:cNvPr>
+          <p:cNvSpPr>
+            <a:spLocks noGrp="1"/>
+          </p:cNvSpPr>
+          <p:nvPr>
+            <p:ph type="title"/>
+          </p:nvPr>
+        </p:nvSpPr>
+        <p:spPr/>
+        <p:txBody>
+          <a:bodyPr/>
+          <a:lstStyle/>
+          <a:p>
+            <a:r>
+              <a:rPr lang="es-EC" dirty="0"/>
+              <a:t>ACTAS DE REUNION II</a:t>
+            </a:r>
+          </a:p>
+        </p:txBody>
+      </p:sp>
+      <p:pic>
+        <p:nvPicPr>
+          <p:cNvPr id="4" name="Imagen 3">
+            <a:extLst>
+              <a:ext uri="{FF2B5EF4-FFF2-40B4-BE49-F238E27FC236}">
+                <a16:creationId xmlns:a16="http://schemas.microsoft.com/office/drawing/2014/main" id="{DB843EB5-03E3-47A7-A07E-D210647D26CE}"/>
+              </a:ext>
+            </a:extLst>
+          </p:cNvPr>
+          <p:cNvPicPr>
+            <a:picLocks noChangeAspect="1"/>
+          </p:cNvPicPr>
+          <p:nvPr/>
+        </p:nvPicPr>
+        <p:blipFill>
+          <a:blip r:embed="rId2"/>
+          <a:stretch>
+            <a:fillRect/>
+          </a:stretch>
+        </p:blipFill>
+        <p:spPr>
+          <a:xfrm>
+            <a:off x="408855" y="1449020"/>
+            <a:ext cx="5810001" cy="4498626"/>
+          </a:xfrm>
+          <a:prstGeom prst="rect">
+            <a:avLst/>
+          </a:prstGeom>
+        </p:spPr>
+      </p:pic>
+      <p:pic>
+        <p:nvPicPr>
+          <p:cNvPr id="5" name="Imagen 4">
+            <a:extLst>
+              <a:ext uri="{FF2B5EF4-FFF2-40B4-BE49-F238E27FC236}">
+                <a16:creationId xmlns:a16="http://schemas.microsoft.com/office/drawing/2014/main" id="{FD84E38E-A88F-41E5-BDE6-08232E863D35}"/>
+              </a:ext>
+            </a:extLst>
+          </p:cNvPr>
+          <p:cNvPicPr>
+            <a:picLocks noChangeAspect="1"/>
+          </p:cNvPicPr>
+          <p:nvPr/>
+        </p:nvPicPr>
+        <p:blipFill>
+          <a:blip r:embed="rId3"/>
+          <a:stretch>
+            <a:fillRect/>
+          </a:stretch>
+        </p:blipFill>
+        <p:spPr>
+          <a:xfrm>
+            <a:off x="6572001" y="1288736"/>
+            <a:ext cx="5211144" cy="4819194"/>
+          </a:xfrm>
+          <a:prstGeom prst="rect">
+            <a:avLst/>
+          </a:prstGeom>
+        </p:spPr>
+      </p:pic>
+    </p:spTree>
+    <p:extLst>
+      <p:ext uri="{BB962C8B-B14F-4D97-AF65-F5344CB8AC3E}">
+        <p14:creationId xmlns:p14="http://schemas.microsoft.com/office/powerpoint/2010/main" val="1683317457"/>
+      </p:ext>
+    </p:extLst>
+  </p:cSld>
+  <p:clrMapOvr>
+    <a:masterClrMapping/>
+  </p:clrMapOvr>
+</p:sld>
+</file>
+
+<file path=ppt/slides/slide12.xml><?xml version="1.0" encoding="utf-8"?>
+<p:sld xmlns:a="http://schemas.openxmlformats.org/drawingml/2006/main" xmlns:r="http://schemas.openxmlformats.org/officeDocument/2006/relationships" xmlns:p="http://schemas.openxmlformats.org/presentationml/2006/main">
+  <p:cSld>
+    <p:spTree>
+      <p:nvGrpSpPr>
+        <p:cNvPr id="1" name=""/>
+        <p:cNvGrpSpPr/>
+        <p:nvPr/>
+      </p:nvGrpSpPr>
+      <p:grpSpPr>
+        <a:xfrm>
+          <a:off x="0" y="0"/>
+          <a:ext cx="0" cy="0"/>
+          <a:chOff x="0" y="0"/>
+          <a:chExt cx="0" cy="0"/>
+        </a:xfrm>
+      </p:grpSpPr>
+      <p:sp>
+        <p:nvSpPr>
+          <p:cNvPr id="2" name="Título 1">
+            <a:extLst>
+              <a:ext uri="{FF2B5EF4-FFF2-40B4-BE49-F238E27FC236}">
+                <a16:creationId xmlns:a16="http://schemas.microsoft.com/office/drawing/2014/main" id="{074A3431-AD82-42D1-BCF2-CD9596B066A1}"/>
+              </a:ext>
+            </a:extLst>
+          </p:cNvPr>
+          <p:cNvSpPr>
+            <a:spLocks noGrp="1"/>
+          </p:cNvSpPr>
+          <p:nvPr>
+            <p:ph type="title"/>
+          </p:nvPr>
+        </p:nvSpPr>
+        <p:spPr/>
+        <p:txBody>
+          <a:bodyPr/>
+          <a:lstStyle/>
+          <a:p>
+            <a:r>
+              <a:rPr lang="es-EC" dirty="0"/>
+              <a:t>MATRIZ HU</a:t>
+            </a:r>
+          </a:p>
+        </p:txBody>
+      </p:sp>
+      <p:pic>
+        <p:nvPicPr>
+          <p:cNvPr id="4" name="Imagen 3">
+            <a:extLst>
+              <a:ext uri="{FF2B5EF4-FFF2-40B4-BE49-F238E27FC236}">
+                <a16:creationId xmlns:a16="http://schemas.microsoft.com/office/drawing/2014/main" id="{126EDFB2-E0CF-4554-AC84-AE9FD7889B9D}"/>
+              </a:ext>
+            </a:extLst>
+          </p:cNvPr>
+          <p:cNvPicPr>
+            <a:picLocks noChangeAspect="1"/>
+          </p:cNvPicPr>
+          <p:nvPr/>
+        </p:nvPicPr>
+        <p:blipFill>
+          <a:blip r:embed="rId2"/>
+          <a:stretch>
+            <a:fillRect/>
+          </a:stretch>
+        </p:blipFill>
+        <p:spPr>
+          <a:xfrm>
+            <a:off x="-38327" y="1874517"/>
+            <a:ext cx="12268654" cy="4151862"/>
+          </a:xfrm>
+          <a:prstGeom prst="rect">
+            <a:avLst/>
+          </a:prstGeom>
+        </p:spPr>
+      </p:pic>
+    </p:spTree>
+    <p:extLst>
+      <p:ext uri="{BB962C8B-B14F-4D97-AF65-F5344CB8AC3E}">
+        <p14:creationId xmlns:p14="http://schemas.microsoft.com/office/powerpoint/2010/main" val="3771135930"/>
+      </p:ext>
+    </p:extLst>
+  </p:cSld>
+  <p:clrMapOvr>
+    <a:masterClrMapping/>
+  </p:clrMapOvr>
+</p:sld>
+</file>
+
+<file path=ppt/slides/slide13.xml><?xml version="1.0" encoding="utf-8"?>
+<p:sld xmlns:a="http://schemas.openxmlformats.org/drawingml/2006/main" xmlns:r="http://schemas.openxmlformats.org/officeDocument/2006/relationships" xmlns:p="http://schemas.openxmlformats.org/presentationml/2006/main">
+  <p:cSld>
+    <p:spTree>
+      <p:nvGrpSpPr>
+        <p:cNvPr id="1" name=""/>
+        <p:cNvGrpSpPr/>
+        <p:nvPr/>
+      </p:nvGrpSpPr>
+      <p:grpSpPr>
+        <a:xfrm>
+          <a:off x="0" y="0"/>
+          <a:ext cx="0" cy="0"/>
+          <a:chOff x="0" y="0"/>
+          <a:chExt cx="0" cy="0"/>
+        </a:xfrm>
+      </p:grpSpPr>
+      <p:sp>
+        <p:nvSpPr>
+          <p:cNvPr id="2" name="Título 1">
+            <a:extLst>
+              <a:ext uri="{FF2B5EF4-FFF2-40B4-BE49-F238E27FC236}">
                 <a16:creationId xmlns:a16="http://schemas.microsoft.com/office/drawing/2014/main" id="{3184175C-5ECF-F7FF-4552-A22CCAD477D5}"/>
               </a:ext>
             </a:extLst>
@@ -12151,7 +12481,7 @@
           <a:p>
             <a:r>
               <a:rPr lang="es-ES" dirty="0"/>
-              <a:t>Especificación de requerimientos</a:t>
+              <a:t>Especificación de requerimientos I</a:t>
             </a:r>
             <a:endParaRPr lang="es-EC" dirty="0"/>
           </a:p>
@@ -12182,8 +12512,27 @@
               <a:rPr lang="es-EC" dirty="0">
                 <a:hlinkClick r:id="rId2" action="ppaction://hlinkfile"/>
               </a:rPr>
-              <a:t>Documento de especificación de requerimientos </a:t>
+              <a:t>Documento de especificación de requerimientos</a:t>
             </a:r>
+          </a:p>
+          <a:p>
+            <a:endParaRPr lang="es-EC" dirty="0">
+              <a:hlinkClick r:id="rId2" action="ppaction://hlinkfile"/>
+            </a:endParaRPr>
+          </a:p>
+          <a:p>
+            <a:r>
+              <a:rPr lang="es-EC" dirty="0">
+                <a:hlinkClick r:id="rId2" action="ppaction://hlinkfile"/>
+              </a:rPr>
+              <a:t> </a:t>
+            </a:r>
+            <a:r>
+              <a:rPr lang="es-EC" dirty="0"/>
+              <a:t>El objetivo principal de la Especificación de Requisitos del Sistema (ERS) es servir como medio de comunicación entre clientes, usuarios, ingenieros de requisitos y desarrolladores. En la ERS deben recogerse tanto las necesidades de clientes y usuarios (necesidades del negocio, también conocidas como requisitos de usuario, requisitos de cliente, necesidades de usuario, etc.) como los requisitos que debe cumplir el sistema software a desarrollar para satisfacer dichas necesidades (requisitos del producto, también conocidos como requisitos de sistema o requisitos software).</a:t>
+            </a:r>
+          </a:p>
+          <a:p>
             <a:endParaRPr lang="es-EC" dirty="0"/>
           </a:p>
         </p:txBody>
@@ -12201,7 +12550,331 @@
 </p:sld>
 </file>
 
-<file path=ppt/slides/slide11.xml><?xml version="1.0" encoding="utf-8"?>
+<file path=ppt/slides/slide14.xml><?xml version="1.0" encoding="utf-8"?>
+<p:sld xmlns:a="http://schemas.openxmlformats.org/drawingml/2006/main" xmlns:r="http://schemas.openxmlformats.org/officeDocument/2006/relationships" xmlns:p="http://schemas.openxmlformats.org/presentationml/2006/main">
+  <p:cSld>
+    <p:spTree>
+      <p:nvGrpSpPr>
+        <p:cNvPr id="1" name=""/>
+        <p:cNvGrpSpPr/>
+        <p:nvPr/>
+      </p:nvGrpSpPr>
+      <p:grpSpPr>
+        <a:xfrm>
+          <a:off x="0" y="0"/>
+          <a:ext cx="0" cy="0"/>
+          <a:chOff x="0" y="0"/>
+          <a:chExt cx="0" cy="0"/>
+        </a:xfrm>
+      </p:grpSpPr>
+      <p:sp>
+        <p:nvSpPr>
+          <p:cNvPr id="2" name="Título 1">
+            <a:extLst>
+              <a:ext uri="{FF2B5EF4-FFF2-40B4-BE49-F238E27FC236}">
+                <a16:creationId xmlns:a16="http://schemas.microsoft.com/office/drawing/2014/main" id="{85997CE0-4539-4247-985B-F542FE0B9C61}"/>
+              </a:ext>
+            </a:extLst>
+          </p:cNvPr>
+          <p:cNvSpPr>
+            <a:spLocks noGrp="1"/>
+          </p:cNvSpPr>
+          <p:nvPr>
+            <p:ph type="title"/>
+          </p:nvPr>
+        </p:nvSpPr>
+        <p:spPr/>
+        <p:txBody>
+          <a:bodyPr/>
+          <a:lstStyle/>
+          <a:p>
+            <a:r>
+              <a:rPr lang="es-ES" dirty="0"/>
+              <a:t>Especificación de requerimientos II</a:t>
+            </a:r>
+            <a:endParaRPr lang="es-EC" dirty="0"/>
+          </a:p>
+        </p:txBody>
+      </p:sp>
+      <p:pic>
+        <p:nvPicPr>
+          <p:cNvPr id="6" name="Imagen 5">
+            <a:extLst>
+              <a:ext uri="{FF2B5EF4-FFF2-40B4-BE49-F238E27FC236}">
+                <a16:creationId xmlns:a16="http://schemas.microsoft.com/office/drawing/2014/main" id="{A8A0D48F-6003-4D1E-84D3-AC293E7B9A2E}"/>
+              </a:ext>
+            </a:extLst>
+          </p:cNvPr>
+          <p:cNvPicPr>
+            <a:picLocks noChangeAspect="1"/>
+          </p:cNvPicPr>
+          <p:nvPr/>
+        </p:nvPicPr>
+        <p:blipFill rotWithShape="1">
+          <a:blip r:embed="rId2"/>
+          <a:srcRect l="3480" t="2543" r="1961" b="4925"/>
+          <a:stretch/>
+        </p:blipFill>
+        <p:spPr>
+          <a:xfrm>
+            <a:off x="267286" y="1744392"/>
+            <a:ext cx="6231988" cy="4894133"/>
+          </a:xfrm>
+          <a:prstGeom prst="rect">
+            <a:avLst/>
+          </a:prstGeom>
+        </p:spPr>
+      </p:pic>
+      <p:pic>
+        <p:nvPicPr>
+          <p:cNvPr id="7" name="Imagen 6">
+            <a:extLst>
+              <a:ext uri="{FF2B5EF4-FFF2-40B4-BE49-F238E27FC236}">
+                <a16:creationId xmlns:a16="http://schemas.microsoft.com/office/drawing/2014/main" id="{CFD5FECA-D403-4E02-8EAC-664CF2933EEB}"/>
+              </a:ext>
+            </a:extLst>
+          </p:cNvPr>
+          <p:cNvPicPr>
+            <a:picLocks noChangeAspect="1"/>
+          </p:cNvPicPr>
+          <p:nvPr/>
+        </p:nvPicPr>
+        <p:blipFill>
+          <a:blip r:embed="rId3"/>
+          <a:stretch>
+            <a:fillRect/>
+          </a:stretch>
+        </p:blipFill>
+        <p:spPr>
+          <a:xfrm>
+            <a:off x="6499274" y="2949090"/>
+            <a:ext cx="5509178" cy="2143415"/>
+          </a:xfrm>
+          <a:prstGeom prst="rect">
+            <a:avLst/>
+          </a:prstGeom>
+        </p:spPr>
+      </p:pic>
+    </p:spTree>
+    <p:extLst>
+      <p:ext uri="{BB962C8B-B14F-4D97-AF65-F5344CB8AC3E}">
+        <p14:creationId xmlns:p14="http://schemas.microsoft.com/office/powerpoint/2010/main" val="2430780462"/>
+      </p:ext>
+    </p:extLst>
+  </p:cSld>
+  <p:clrMapOvr>
+    <a:masterClrMapping/>
+  </p:clrMapOvr>
+</p:sld>
+</file>
+
+<file path=ppt/slides/slide15.xml><?xml version="1.0" encoding="utf-8"?>
+<p:sld xmlns:a="http://schemas.openxmlformats.org/drawingml/2006/main" xmlns:r="http://schemas.openxmlformats.org/officeDocument/2006/relationships" xmlns:p="http://schemas.openxmlformats.org/presentationml/2006/main">
+  <p:cSld>
+    <p:spTree>
+      <p:nvGrpSpPr>
+        <p:cNvPr id="1" name=""/>
+        <p:cNvGrpSpPr/>
+        <p:nvPr/>
+      </p:nvGrpSpPr>
+      <p:grpSpPr>
+        <a:xfrm>
+          <a:off x="0" y="0"/>
+          <a:ext cx="0" cy="0"/>
+          <a:chOff x="0" y="0"/>
+          <a:chExt cx="0" cy="0"/>
+        </a:xfrm>
+      </p:grpSpPr>
+      <p:sp>
+        <p:nvSpPr>
+          <p:cNvPr id="2" name="Título 1">
+            <a:extLst>
+              <a:ext uri="{FF2B5EF4-FFF2-40B4-BE49-F238E27FC236}">
+                <a16:creationId xmlns:a16="http://schemas.microsoft.com/office/drawing/2014/main" id="{7C9B3D79-4CB4-4C58-8283-8F7565F8F2F3}"/>
+              </a:ext>
+            </a:extLst>
+          </p:cNvPr>
+          <p:cNvSpPr>
+            <a:spLocks noGrp="1"/>
+          </p:cNvSpPr>
+          <p:nvPr>
+            <p:ph type="title"/>
+          </p:nvPr>
+        </p:nvSpPr>
+        <p:spPr/>
+        <p:txBody>
+          <a:bodyPr/>
+          <a:lstStyle/>
+          <a:p>
+            <a:r>
+              <a:rPr lang="es-EC" dirty="0"/>
+              <a:t>ESPECIFICACION DE REQUERIMIENTOS III</a:t>
+            </a:r>
+          </a:p>
+        </p:txBody>
+      </p:sp>
+      <p:pic>
+        <p:nvPicPr>
+          <p:cNvPr id="4" name="Imagen 3">
+            <a:extLst>
+              <a:ext uri="{FF2B5EF4-FFF2-40B4-BE49-F238E27FC236}">
+                <a16:creationId xmlns:a16="http://schemas.microsoft.com/office/drawing/2014/main" id="{6CB9DE54-6322-45A6-BFDC-423C7C82FD32}"/>
+              </a:ext>
+            </a:extLst>
+          </p:cNvPr>
+          <p:cNvPicPr>
+            <a:picLocks noChangeAspect="1"/>
+          </p:cNvPicPr>
+          <p:nvPr/>
+        </p:nvPicPr>
+        <p:blipFill>
+          <a:blip r:embed="rId2"/>
+          <a:stretch>
+            <a:fillRect/>
+          </a:stretch>
+        </p:blipFill>
+        <p:spPr>
+          <a:xfrm>
+            <a:off x="633360" y="1979188"/>
+            <a:ext cx="6001588" cy="4496427"/>
+          </a:xfrm>
+          <a:prstGeom prst="rect">
+            <a:avLst/>
+          </a:prstGeom>
+        </p:spPr>
+      </p:pic>
+      <p:pic>
+        <p:nvPicPr>
+          <p:cNvPr id="5" name="Imagen 4">
+            <a:extLst>
+              <a:ext uri="{FF2B5EF4-FFF2-40B4-BE49-F238E27FC236}">
+                <a16:creationId xmlns:a16="http://schemas.microsoft.com/office/drawing/2014/main" id="{24AB4FA1-3172-4340-B7A0-883323D162E3}"/>
+              </a:ext>
+            </a:extLst>
+          </p:cNvPr>
+          <p:cNvPicPr>
+            <a:picLocks noChangeAspect="1"/>
+          </p:cNvPicPr>
+          <p:nvPr/>
+        </p:nvPicPr>
+        <p:blipFill>
+          <a:blip r:embed="rId3"/>
+          <a:stretch>
+            <a:fillRect/>
+          </a:stretch>
+        </p:blipFill>
+        <p:spPr>
+          <a:xfrm>
+            <a:off x="6743113" y="1979188"/>
+            <a:ext cx="5291431" cy="3394670"/>
+          </a:xfrm>
+          <a:prstGeom prst="rect">
+            <a:avLst/>
+          </a:prstGeom>
+        </p:spPr>
+      </p:pic>
+    </p:spTree>
+    <p:extLst>
+      <p:ext uri="{BB962C8B-B14F-4D97-AF65-F5344CB8AC3E}">
+        <p14:creationId xmlns:p14="http://schemas.microsoft.com/office/powerpoint/2010/main" val="4238683340"/>
+      </p:ext>
+    </p:extLst>
+  </p:cSld>
+  <p:clrMapOvr>
+    <a:masterClrMapping/>
+  </p:clrMapOvr>
+</p:sld>
+</file>
+
+<file path=ppt/slides/slide16.xml><?xml version="1.0" encoding="utf-8"?>
+<p:sld xmlns:a="http://schemas.openxmlformats.org/drawingml/2006/main" xmlns:r="http://schemas.openxmlformats.org/officeDocument/2006/relationships" xmlns:p="http://schemas.openxmlformats.org/presentationml/2006/main">
+  <p:cSld>
+    <p:spTree>
+      <p:nvGrpSpPr>
+        <p:cNvPr id="1" name=""/>
+        <p:cNvGrpSpPr/>
+        <p:nvPr/>
+      </p:nvGrpSpPr>
+      <p:grpSpPr>
+        <a:xfrm>
+          <a:off x="0" y="0"/>
+          <a:ext cx="0" cy="0"/>
+          <a:chOff x="0" y="0"/>
+          <a:chExt cx="0" cy="0"/>
+        </a:xfrm>
+      </p:grpSpPr>
+      <p:sp>
+        <p:nvSpPr>
+          <p:cNvPr id="2" name="Título 1">
+            <a:extLst>
+              <a:ext uri="{FF2B5EF4-FFF2-40B4-BE49-F238E27FC236}">
+                <a16:creationId xmlns:a16="http://schemas.microsoft.com/office/drawing/2014/main" id="{8DF4C49F-5F7B-4769-B110-9808A2054E58}"/>
+              </a:ext>
+            </a:extLst>
+          </p:cNvPr>
+          <p:cNvSpPr>
+            <a:spLocks noGrp="1"/>
+          </p:cNvSpPr>
+          <p:nvPr>
+            <p:ph type="title"/>
+          </p:nvPr>
+        </p:nvSpPr>
+        <p:spPr/>
+        <p:txBody>
+          <a:bodyPr/>
+          <a:lstStyle/>
+          <a:p>
+            <a:r>
+              <a:rPr lang="es-EC" dirty="0"/>
+              <a:t>ESPECIFICACION DE REQUERIMIENTOS IV</a:t>
+            </a:r>
+          </a:p>
+        </p:txBody>
+      </p:sp>
+      <p:pic>
+        <p:nvPicPr>
+          <p:cNvPr id="4" name="Imagen 3">
+            <a:extLst>
+              <a:ext uri="{FF2B5EF4-FFF2-40B4-BE49-F238E27FC236}">
+                <a16:creationId xmlns:a16="http://schemas.microsoft.com/office/drawing/2014/main" id="{3B39E724-64C7-4D12-BD06-4853DBDC682F}"/>
+              </a:ext>
+            </a:extLst>
+          </p:cNvPr>
+          <p:cNvPicPr>
+            <a:picLocks noChangeAspect="1"/>
+          </p:cNvPicPr>
+          <p:nvPr/>
+        </p:nvPicPr>
+        <p:blipFill>
+          <a:blip r:embed="rId2"/>
+          <a:stretch>
+            <a:fillRect/>
+          </a:stretch>
+        </p:blipFill>
+        <p:spPr>
+          <a:xfrm>
+            <a:off x="3199996" y="2598399"/>
+            <a:ext cx="5792008" cy="3877216"/>
+          </a:xfrm>
+          <a:prstGeom prst="rect">
+            <a:avLst/>
+          </a:prstGeom>
+        </p:spPr>
+      </p:pic>
+    </p:spTree>
+    <p:extLst>
+      <p:ext uri="{BB962C8B-B14F-4D97-AF65-F5344CB8AC3E}">
+        <p14:creationId xmlns:p14="http://schemas.microsoft.com/office/powerpoint/2010/main" val="148555974"/>
+      </p:ext>
+    </p:extLst>
+  </p:cSld>
+  <p:clrMapOvr>
+    <a:masterClrMapping/>
+  </p:clrMapOvr>
+</p:sld>
+</file>
+
+<file path=ppt/slides/slide17.xml><?xml version="1.0" encoding="utf-8"?>
 <p:sld xmlns:a="http://schemas.openxmlformats.org/drawingml/2006/main" xmlns:r="http://schemas.openxmlformats.org/officeDocument/2006/relationships" xmlns:p="http://schemas.openxmlformats.org/presentationml/2006/main">
   <p:cSld>
     <p:spTree>
@@ -12544,7 +13217,7 @@
 </p:sld>
 </file>
 
-<file path=ppt/slides/slide12.xml><?xml version="1.0" encoding="utf-8"?>
+<file path=ppt/slides/slide18.xml><?xml version="1.0" encoding="utf-8"?>
 <p:sld xmlns:a="http://schemas.openxmlformats.org/drawingml/2006/main" xmlns:r="http://schemas.openxmlformats.org/officeDocument/2006/relationships" xmlns:p="http://schemas.openxmlformats.org/presentationml/2006/main">
   <p:cSld>
     <p:spTree>
@@ -12608,12 +13281,26 @@
         </p:nvSpPr>
         <p:spPr/>
         <p:txBody>
-          <a:bodyPr/>
+          <a:bodyPr>
+            <a:normAutofit/>
+          </a:bodyPr>
           <a:lstStyle/>
           <a:p>
             <a:r>
               <a:rPr lang="es-EC" dirty="0"/>
-              <a:t>Los resultados del proyecto han sido bastante satisfactorios, teniendo en cuenta que cumple con su función principal de poder registrar los datos de los empleados y poder buscar los mismos, también se le añadió la funcionalidad de edición, para poder actualizar los datos de los trabajadores previamente registrados, y una funcionalidad de eliminación, la cual permite eliminar registros los cuales puedan estar erróneos o son registros que son prescindibles o que no tienen relevancia para la empresa actualmente.</a:t>
+              <a:t>Los resultados del proyecto han sido bastante satisfactorios, teniendo en cuenta que cumple con su función principal de poder registrar los datos de los empleados y poder buscar los mismos, </a:t>
+            </a:r>
+          </a:p>
+          <a:p>
+            <a:r>
+              <a:rPr lang="es-EC" dirty="0"/>
+              <a:t>También se le añadió la funcionalidad de edición, para poder actualizar los datos de los trabajadores previamente registrados, y una funcionalidad de eliminación.</a:t>
+            </a:r>
+          </a:p>
+          <a:p>
+            <a:r>
+              <a:rPr lang="es-EC" dirty="0"/>
+              <a:t>Permitir eliminar registros los cuales puedan estar erróneos o son registros que son prescindibles o que no tienen relevancia para la empresa actualmente.</a:t>
             </a:r>
           </a:p>
         </p:txBody>
@@ -12631,7 +13318,7 @@
 </p:sld>
 </file>
 
-<file path=ppt/slides/slide13.xml><?xml version="1.0" encoding="utf-8"?>
+<file path=ppt/slides/slide19.xml><?xml version="1.0" encoding="utf-8"?>
 <p:sld xmlns:a="http://schemas.openxmlformats.org/drawingml/2006/main" xmlns:r="http://schemas.openxmlformats.org/officeDocument/2006/relationships" xmlns:p="http://schemas.openxmlformats.org/presentationml/2006/main">
   <p:cSld>
     <p:spTree>
@@ -12712,7 +13399,7 @@
           <a:p>
             <a:r>
               <a:rPr lang="es-EC" sz="2400" dirty="0"/>
-              <a:t>Tomar en cuenta los tiempos, para cumplir dentro del margen propuesto.</a:t>
+              <a:t>Se tomo en cuenta los tiempos, para cumplir dentro del margen propuesto.</a:t>
             </a:r>
           </a:p>
           <a:p>
@@ -12730,188 +13417,6 @@
     <p:extLst>
       <p:ext uri="{BB962C8B-B14F-4D97-AF65-F5344CB8AC3E}">
         <p14:creationId xmlns:p14="http://schemas.microsoft.com/office/powerpoint/2010/main" val="1139076642"/>
-      </p:ext>
-    </p:extLst>
-  </p:cSld>
-  <p:clrMapOvr>
-    <a:masterClrMapping/>
-  </p:clrMapOvr>
-</p:sld>
-</file>
-
-<file path=ppt/slides/slide14.xml><?xml version="1.0" encoding="utf-8"?>
-<p:sld xmlns:a="http://schemas.openxmlformats.org/drawingml/2006/main" xmlns:r="http://schemas.openxmlformats.org/officeDocument/2006/relationships" xmlns:p="http://schemas.openxmlformats.org/presentationml/2006/main">
-  <p:cSld>
-    <p:spTree>
-      <p:nvGrpSpPr>
-        <p:cNvPr id="1" name=""/>
-        <p:cNvGrpSpPr/>
-        <p:nvPr/>
-      </p:nvGrpSpPr>
-      <p:grpSpPr>
-        <a:xfrm>
-          <a:off x="0" y="0"/>
-          <a:ext cx="0" cy="0"/>
-          <a:chOff x="0" y="0"/>
-          <a:chExt cx="0" cy="0"/>
-        </a:xfrm>
-      </p:grpSpPr>
-      <p:sp>
-        <p:nvSpPr>
-          <p:cNvPr id="2" name="Título 1">
-            <a:extLst>
-              <a:ext uri="{FF2B5EF4-FFF2-40B4-BE49-F238E27FC236}">
-                <a16:creationId xmlns:a16="http://schemas.microsoft.com/office/drawing/2014/main" id="{67B0AD04-9FC3-44CF-AFF2-DBCD7A2F838F}"/>
-              </a:ext>
-            </a:extLst>
-          </p:cNvPr>
-          <p:cNvSpPr>
-            <a:spLocks noGrp="1"/>
-          </p:cNvSpPr>
-          <p:nvPr>
-            <p:ph type="title"/>
-          </p:nvPr>
-        </p:nvSpPr>
-        <p:spPr/>
-        <p:txBody>
-          <a:bodyPr/>
-          <a:lstStyle/>
-          <a:p>
-            <a:r>
-              <a:rPr lang="es-ES" dirty="0"/>
-              <a:t>recomendaciones</a:t>
-            </a:r>
-            <a:endParaRPr lang="es-EC" dirty="0"/>
-          </a:p>
-        </p:txBody>
-      </p:sp>
-      <p:sp>
-        <p:nvSpPr>
-          <p:cNvPr id="3" name="Marcador de contenido 2">
-            <a:extLst>
-              <a:ext uri="{FF2B5EF4-FFF2-40B4-BE49-F238E27FC236}">
-                <a16:creationId xmlns:a16="http://schemas.microsoft.com/office/drawing/2014/main" id="{5218101B-3D7F-43C0-9A05-41341E702F05}"/>
-              </a:ext>
-            </a:extLst>
-          </p:cNvPr>
-          <p:cNvSpPr>
-            <a:spLocks noGrp="1"/>
-          </p:cNvSpPr>
-          <p:nvPr>
-            <p:ph idx="1"/>
-          </p:nvPr>
-        </p:nvSpPr>
-        <p:spPr/>
-        <p:txBody>
-          <a:bodyPr>
-            <a:normAutofit/>
-          </a:bodyPr>
-          <a:lstStyle/>
-          <a:p>
-            <a:r>
-              <a:rPr lang="es-EC" sz="2400" dirty="0"/>
-              <a:t>Estructurar y planificar con el equipo de trabajo para optimizar procesos</a:t>
-            </a:r>
-          </a:p>
-          <a:p>
-            <a:r>
-              <a:rPr lang="es-EC" sz="2400" dirty="0"/>
-              <a:t>Enfocarse en tener siempre claro los requisitos solicitados por el </a:t>
-            </a:r>
-            <a:r>
-              <a:rPr lang="es-EC" sz="2400" dirty="0" err="1"/>
-              <a:t>Product</a:t>
-            </a:r>
-            <a:r>
-              <a:rPr lang="es-EC" sz="2400" dirty="0"/>
-              <a:t> </a:t>
-            </a:r>
-            <a:r>
-              <a:rPr lang="es-EC" sz="2400" dirty="0" err="1"/>
-              <a:t>Owner</a:t>
-            </a:r>
-            <a:r>
-              <a:rPr lang="es-EC" sz="2400" dirty="0"/>
-              <a:t>.</a:t>
-            </a:r>
-          </a:p>
-          <a:p>
-            <a:r>
-              <a:rPr lang="es-EC" sz="2400" dirty="0"/>
-              <a:t>Tener buena comunicación entre el equipo.</a:t>
-            </a:r>
-          </a:p>
-        </p:txBody>
-      </p:sp>
-    </p:spTree>
-    <p:extLst>
-      <p:ext uri="{BB962C8B-B14F-4D97-AF65-F5344CB8AC3E}">
-        <p14:creationId xmlns:p14="http://schemas.microsoft.com/office/powerpoint/2010/main" val="3643969912"/>
-      </p:ext>
-    </p:extLst>
-  </p:cSld>
-  <p:clrMapOvr>
-    <a:masterClrMapping/>
-  </p:clrMapOvr>
-</p:sld>
-</file>
-
-<file path=ppt/slides/slide15.xml><?xml version="1.0" encoding="utf-8"?>
-<p:sld xmlns:a="http://schemas.openxmlformats.org/drawingml/2006/main" xmlns:r="http://schemas.openxmlformats.org/officeDocument/2006/relationships" xmlns:p="http://schemas.openxmlformats.org/presentationml/2006/main">
-  <p:cSld>
-    <p:spTree>
-      <p:nvGrpSpPr>
-        <p:cNvPr id="1" name=""/>
-        <p:cNvGrpSpPr/>
-        <p:nvPr/>
-      </p:nvGrpSpPr>
-      <p:grpSpPr>
-        <a:xfrm>
-          <a:off x="0" y="0"/>
-          <a:ext cx="0" cy="0"/>
-          <a:chOff x="0" y="0"/>
-          <a:chExt cx="0" cy="0"/>
-        </a:xfrm>
-      </p:grpSpPr>
-      <p:sp>
-        <p:nvSpPr>
-          <p:cNvPr id="2" name="Título 1">
-            <a:extLst>
-              <a:ext uri="{FF2B5EF4-FFF2-40B4-BE49-F238E27FC236}">
-                <a16:creationId xmlns:a16="http://schemas.microsoft.com/office/drawing/2014/main" id="{F3364734-FE33-413F-8D63-2A8065D85C1C}"/>
-              </a:ext>
-            </a:extLst>
-          </p:cNvPr>
-          <p:cNvSpPr>
-            <a:spLocks noGrp="1"/>
-          </p:cNvSpPr>
-          <p:nvPr>
-            <p:ph type="title"/>
-          </p:nvPr>
-        </p:nvSpPr>
-        <p:spPr>
-          <a:xfrm>
-            <a:off x="1715912" y="2682934"/>
-            <a:ext cx="7554697" cy="1270088"/>
-          </a:xfrm>
-        </p:spPr>
-        <p:txBody>
-          <a:bodyPr>
-            <a:normAutofit fontScale="90000"/>
-          </a:bodyPr>
-          <a:lstStyle/>
-          <a:p>
-            <a:r>
-              <a:rPr lang="es-EC" sz="8800" dirty="0"/>
-              <a:t>FUNCIONALIDAD</a:t>
-            </a:r>
-          </a:p>
-        </p:txBody>
-      </p:sp>
-    </p:spTree>
-    <p:extLst>
-      <p:ext uri="{BB962C8B-B14F-4D97-AF65-F5344CB8AC3E}">
-        <p14:creationId xmlns:p14="http://schemas.microsoft.com/office/powerpoint/2010/main" val="3061031042"/>
       </p:ext>
     </p:extLst>
   </p:cSld>
@@ -13061,6 +13566,188 @@
     <p:extLst>
       <p:ext uri="{BB962C8B-B14F-4D97-AF65-F5344CB8AC3E}">
         <p14:creationId xmlns:p14="http://schemas.microsoft.com/office/powerpoint/2010/main" val="836834216"/>
+      </p:ext>
+    </p:extLst>
+  </p:cSld>
+  <p:clrMapOvr>
+    <a:masterClrMapping/>
+  </p:clrMapOvr>
+</p:sld>
+</file>
+
+<file path=ppt/slides/slide20.xml><?xml version="1.0" encoding="utf-8"?>
+<p:sld xmlns:a="http://schemas.openxmlformats.org/drawingml/2006/main" xmlns:r="http://schemas.openxmlformats.org/officeDocument/2006/relationships" xmlns:p="http://schemas.openxmlformats.org/presentationml/2006/main">
+  <p:cSld>
+    <p:spTree>
+      <p:nvGrpSpPr>
+        <p:cNvPr id="1" name=""/>
+        <p:cNvGrpSpPr/>
+        <p:nvPr/>
+      </p:nvGrpSpPr>
+      <p:grpSpPr>
+        <a:xfrm>
+          <a:off x="0" y="0"/>
+          <a:ext cx="0" cy="0"/>
+          <a:chOff x="0" y="0"/>
+          <a:chExt cx="0" cy="0"/>
+        </a:xfrm>
+      </p:grpSpPr>
+      <p:sp>
+        <p:nvSpPr>
+          <p:cNvPr id="2" name="Título 1">
+            <a:extLst>
+              <a:ext uri="{FF2B5EF4-FFF2-40B4-BE49-F238E27FC236}">
+                <a16:creationId xmlns:a16="http://schemas.microsoft.com/office/drawing/2014/main" id="{67B0AD04-9FC3-44CF-AFF2-DBCD7A2F838F}"/>
+              </a:ext>
+            </a:extLst>
+          </p:cNvPr>
+          <p:cNvSpPr>
+            <a:spLocks noGrp="1"/>
+          </p:cNvSpPr>
+          <p:nvPr>
+            <p:ph type="title"/>
+          </p:nvPr>
+        </p:nvSpPr>
+        <p:spPr/>
+        <p:txBody>
+          <a:bodyPr/>
+          <a:lstStyle/>
+          <a:p>
+            <a:r>
+              <a:rPr lang="es-ES" dirty="0"/>
+              <a:t>recomendaciones</a:t>
+            </a:r>
+            <a:endParaRPr lang="es-EC" dirty="0"/>
+          </a:p>
+        </p:txBody>
+      </p:sp>
+      <p:sp>
+        <p:nvSpPr>
+          <p:cNvPr id="3" name="Marcador de contenido 2">
+            <a:extLst>
+              <a:ext uri="{FF2B5EF4-FFF2-40B4-BE49-F238E27FC236}">
+                <a16:creationId xmlns:a16="http://schemas.microsoft.com/office/drawing/2014/main" id="{5218101B-3D7F-43C0-9A05-41341E702F05}"/>
+              </a:ext>
+            </a:extLst>
+          </p:cNvPr>
+          <p:cNvSpPr>
+            <a:spLocks noGrp="1"/>
+          </p:cNvSpPr>
+          <p:nvPr>
+            <p:ph idx="1"/>
+          </p:nvPr>
+        </p:nvSpPr>
+        <p:spPr/>
+        <p:txBody>
+          <a:bodyPr>
+            <a:normAutofit/>
+          </a:bodyPr>
+          <a:lstStyle/>
+          <a:p>
+            <a:r>
+              <a:rPr lang="es-EC" sz="2400" dirty="0"/>
+              <a:t>Estructurar y planificar con el equipo de trabajo para optimizar procesos</a:t>
+            </a:r>
+          </a:p>
+          <a:p>
+            <a:r>
+              <a:rPr lang="es-EC" sz="2400" dirty="0"/>
+              <a:t>Enfocarse en tener siempre claro los requisitos solicitados por el </a:t>
+            </a:r>
+            <a:r>
+              <a:rPr lang="es-EC" sz="2400" dirty="0" err="1"/>
+              <a:t>Product</a:t>
+            </a:r>
+            <a:r>
+              <a:rPr lang="es-EC" sz="2400" dirty="0"/>
+              <a:t> </a:t>
+            </a:r>
+            <a:r>
+              <a:rPr lang="es-EC" sz="2400" dirty="0" err="1"/>
+              <a:t>Owner</a:t>
+            </a:r>
+            <a:r>
+              <a:rPr lang="es-EC" sz="2400" dirty="0"/>
+              <a:t>.</a:t>
+            </a:r>
+          </a:p>
+          <a:p>
+            <a:r>
+              <a:rPr lang="es-EC" sz="2400" dirty="0"/>
+              <a:t>Tener buena comunicación entre el equipo.</a:t>
+            </a:r>
+          </a:p>
+        </p:txBody>
+      </p:sp>
+    </p:spTree>
+    <p:extLst>
+      <p:ext uri="{BB962C8B-B14F-4D97-AF65-F5344CB8AC3E}">
+        <p14:creationId xmlns:p14="http://schemas.microsoft.com/office/powerpoint/2010/main" val="3643969912"/>
+      </p:ext>
+    </p:extLst>
+  </p:cSld>
+  <p:clrMapOvr>
+    <a:masterClrMapping/>
+  </p:clrMapOvr>
+</p:sld>
+</file>
+
+<file path=ppt/slides/slide21.xml><?xml version="1.0" encoding="utf-8"?>
+<p:sld xmlns:a="http://schemas.openxmlformats.org/drawingml/2006/main" xmlns:r="http://schemas.openxmlformats.org/officeDocument/2006/relationships" xmlns:p="http://schemas.openxmlformats.org/presentationml/2006/main">
+  <p:cSld>
+    <p:spTree>
+      <p:nvGrpSpPr>
+        <p:cNvPr id="1" name=""/>
+        <p:cNvGrpSpPr/>
+        <p:nvPr/>
+      </p:nvGrpSpPr>
+      <p:grpSpPr>
+        <a:xfrm>
+          <a:off x="0" y="0"/>
+          <a:ext cx="0" cy="0"/>
+          <a:chOff x="0" y="0"/>
+          <a:chExt cx="0" cy="0"/>
+        </a:xfrm>
+      </p:grpSpPr>
+      <p:sp>
+        <p:nvSpPr>
+          <p:cNvPr id="2" name="Título 1">
+            <a:extLst>
+              <a:ext uri="{FF2B5EF4-FFF2-40B4-BE49-F238E27FC236}">
+                <a16:creationId xmlns:a16="http://schemas.microsoft.com/office/drawing/2014/main" id="{F3364734-FE33-413F-8D63-2A8065D85C1C}"/>
+              </a:ext>
+            </a:extLst>
+          </p:cNvPr>
+          <p:cNvSpPr>
+            <a:spLocks noGrp="1"/>
+          </p:cNvSpPr>
+          <p:nvPr>
+            <p:ph type="title"/>
+          </p:nvPr>
+        </p:nvSpPr>
+        <p:spPr>
+          <a:xfrm>
+            <a:off x="1715912" y="2682934"/>
+            <a:ext cx="7554697" cy="1270088"/>
+          </a:xfrm>
+        </p:spPr>
+        <p:txBody>
+          <a:bodyPr>
+            <a:normAutofit fontScale="90000"/>
+          </a:bodyPr>
+          <a:lstStyle/>
+          <a:p>
+            <a:r>
+              <a:rPr lang="es-EC" sz="8800" dirty="0"/>
+              <a:t>FUNCIONALIDAD</a:t>
+            </a:r>
+          </a:p>
+        </p:txBody>
+      </p:sp>
+    </p:spTree>
+    <p:extLst>
+      <p:ext uri="{BB962C8B-B14F-4D97-AF65-F5344CB8AC3E}">
+        <p14:creationId xmlns:p14="http://schemas.microsoft.com/office/powerpoint/2010/main" val="3061031042"/>
       </p:ext>
     </p:extLst>
   </p:cSld>
@@ -13558,7 +14245,9 @@
         </p:nvSpPr>
         <p:spPr/>
         <p:txBody>
-          <a:bodyPr/>
+          <a:bodyPr>
+            <a:normAutofit/>
+          </a:bodyPr>
           <a:lstStyle/>
           <a:p>
             <a:pPr marL="89535" indent="457200">
@@ -13610,11 +14299,6 @@
               </a:rPr>
               <a:t>Debido a que el problema que se presenta no es muy complicado de resolver, da pie a desarrollar el sistema para que tenga una gran capacidad de ampliación, para que no solo sirva para el registro, sino también para poder implementar a futuro más funcionalidades.</a:t>
             </a:r>
-            <a:endParaRPr lang="es-EC" sz="1800" dirty="0">
-              <a:effectLst/>
-              <a:latin typeface="Arial" panose="020B0604020202020204" pitchFamily="34" charset="0"/>
-              <a:ea typeface="Arial" panose="020B0604020202020204" pitchFamily="34" charset="0"/>
-            </a:endParaRPr>
           </a:p>
           <a:p>
             <a:pPr marL="0" indent="0">
@@ -13827,6 +14511,21 @@
               </a:rPr>
               <a:t>Acta de Reunión 4</a:t>
             </a:r>
+            <a:endParaRPr lang="es-EC" dirty="0"/>
+          </a:p>
+          <a:p>
+            <a:endParaRPr lang="es-EC" dirty="0"/>
+          </a:p>
+          <a:p>
+            <a:r>
+              <a:rPr lang="es-EC" i="1" dirty="0">
+                <a:latin typeface="Arial" panose="020B0604020202020204" pitchFamily="34" charset="0"/>
+                <a:ea typeface="Arial" panose="020B0604020202020204" pitchFamily="34" charset="0"/>
+              </a:rPr>
+              <a:t>objetivo es reunir al equipo con su Coach, que es el Scrum Master, para conversar sin tapujos acerca de que salió bien durante la iteración, que no salió bien y cuales mejoras se pueden implementar en la próxima iteración.</a:t>
+            </a:r>
+          </a:p>
+          <a:p>
             <a:endParaRPr lang="es-EC" dirty="0"/>
           </a:p>
           <a:p>
